--- a/Tailieu/Slide_TTYTDP_BACNINH.pptx
+++ b/Tailieu/Slide_TTYTDP_BACNINH.pptx
@@ -229,7 +229,7 @@
             <a:fld id="{0E4FF8FC-8473-4DFD-87CC-D576DA80B410}" type="datetimeFigureOut">
               <a:rPr lang="en-US" smtClean="0"/>
               <a:pPr/>
-              <a:t>13/06/2014</a:t>
+              <a:t>07/09/2015</a:t>
             </a:fld>
             <a:endParaRPr lang="en-US"/>
           </a:p>
@@ -5506,7 +5506,7 @@
             <a:fld id="{11188646-8CEC-4AE4-B1E7-ADF9D885FD96}" type="datetimeFigureOut">
               <a:rPr lang="en-US" smtClean="0"/>
               <a:pPr/>
-              <a:t>13/06/2014</a:t>
+              <a:t>07/09/2015</a:t>
             </a:fld>
             <a:endParaRPr lang="en-US"/>
           </a:p>
@@ -5673,7 +5673,7 @@
             <a:fld id="{11188646-8CEC-4AE4-B1E7-ADF9D885FD96}" type="datetimeFigureOut">
               <a:rPr lang="en-US" smtClean="0"/>
               <a:pPr/>
-              <a:t>13/06/2014</a:t>
+              <a:t>07/09/2015</a:t>
             </a:fld>
             <a:endParaRPr lang="en-US"/>
           </a:p>
@@ -5850,7 +5850,7 @@
             <a:fld id="{11188646-8CEC-4AE4-B1E7-ADF9D885FD96}" type="datetimeFigureOut">
               <a:rPr lang="en-US" smtClean="0"/>
               <a:pPr/>
-              <a:t>13/06/2014</a:t>
+              <a:t>07/09/2015</a:t>
             </a:fld>
             <a:endParaRPr lang="en-US"/>
           </a:p>
@@ -6089,7 +6089,7 @@
             <a:fld id="{16FF2618-C234-4528-BB60-72360CB0937F}" type="datetimeFigureOut">
               <a:rPr lang="en-US" smtClean="0"/>
               <a:pPr/>
-              <a:t>13/06/2014</a:t>
+              <a:t>07/09/2015</a:t>
             </a:fld>
             <a:endParaRPr lang="en-US"/>
           </a:p>
@@ -6256,7 +6256,7 @@
             <a:fld id="{16FF2618-C234-4528-BB60-72360CB0937F}" type="datetimeFigureOut">
               <a:rPr lang="en-US" smtClean="0"/>
               <a:pPr/>
-              <a:t>13/06/2014</a:t>
+              <a:t>07/09/2015</a:t>
             </a:fld>
             <a:endParaRPr lang="en-US"/>
           </a:p>
@@ -6499,7 +6499,7 @@
             <a:fld id="{16FF2618-C234-4528-BB60-72360CB0937F}" type="datetimeFigureOut">
               <a:rPr lang="en-US" smtClean="0"/>
               <a:pPr/>
-              <a:t>13/06/2014</a:t>
+              <a:t>07/09/2015</a:t>
             </a:fld>
             <a:endParaRPr lang="en-US"/>
           </a:p>
@@ -6784,7 +6784,7 @@
             <a:fld id="{16FF2618-C234-4528-BB60-72360CB0937F}" type="datetimeFigureOut">
               <a:rPr lang="en-US" smtClean="0"/>
               <a:pPr/>
-              <a:t>13/06/2014</a:t>
+              <a:t>07/09/2015</a:t>
             </a:fld>
             <a:endParaRPr lang="en-US"/>
           </a:p>
@@ -7203,7 +7203,7 @@
             <a:fld id="{16FF2618-C234-4528-BB60-72360CB0937F}" type="datetimeFigureOut">
               <a:rPr lang="en-US" smtClean="0"/>
               <a:pPr/>
-              <a:t>13/06/2014</a:t>
+              <a:t>07/09/2015</a:t>
             </a:fld>
             <a:endParaRPr lang="en-US"/>
           </a:p>
@@ -7318,7 +7318,7 @@
             <a:fld id="{16FF2618-C234-4528-BB60-72360CB0937F}" type="datetimeFigureOut">
               <a:rPr lang="en-US" smtClean="0"/>
               <a:pPr/>
-              <a:t>13/06/2014</a:t>
+              <a:t>07/09/2015</a:t>
             </a:fld>
             <a:endParaRPr lang="en-US"/>
           </a:p>
@@ -7410,7 +7410,7 @@
             <a:fld id="{16FF2618-C234-4528-BB60-72360CB0937F}" type="datetimeFigureOut">
               <a:rPr lang="en-US" smtClean="0"/>
               <a:pPr/>
-              <a:t>13/06/2014</a:t>
+              <a:t>07/09/2015</a:t>
             </a:fld>
             <a:endParaRPr lang="en-US"/>
           </a:p>
@@ -7684,7 +7684,7 @@
             <a:fld id="{16FF2618-C234-4528-BB60-72360CB0937F}" type="datetimeFigureOut">
               <a:rPr lang="en-US" smtClean="0"/>
               <a:pPr/>
-              <a:t>13/06/2014</a:t>
+              <a:t>07/09/2015</a:t>
             </a:fld>
             <a:endParaRPr lang="en-US"/>
           </a:p>
@@ -7851,7 +7851,7 @@
             <a:fld id="{11188646-8CEC-4AE4-B1E7-ADF9D885FD96}" type="datetimeFigureOut">
               <a:rPr lang="en-US" smtClean="0"/>
               <a:pPr/>
-              <a:t>13/06/2014</a:t>
+              <a:t>07/09/2015</a:t>
             </a:fld>
             <a:endParaRPr lang="en-US"/>
           </a:p>
@@ -8101,7 +8101,7 @@
             <a:fld id="{16FF2618-C234-4528-BB60-72360CB0937F}" type="datetimeFigureOut">
               <a:rPr lang="en-US" smtClean="0"/>
               <a:pPr/>
-              <a:t>13/06/2014</a:t>
+              <a:t>07/09/2015</a:t>
             </a:fld>
             <a:endParaRPr lang="en-US"/>
           </a:p>
@@ -8268,7 +8268,7 @@
             <a:fld id="{16FF2618-C234-4528-BB60-72360CB0937F}" type="datetimeFigureOut">
               <a:rPr lang="en-US" smtClean="0"/>
               <a:pPr/>
-              <a:t>13/06/2014</a:t>
+              <a:t>07/09/2015</a:t>
             </a:fld>
             <a:endParaRPr lang="en-US"/>
           </a:p>
@@ -8445,7 +8445,7 @@
             <a:fld id="{16FF2618-C234-4528-BB60-72360CB0937F}" type="datetimeFigureOut">
               <a:rPr lang="en-US" smtClean="0"/>
               <a:pPr/>
-              <a:t>13/06/2014</a:t>
+              <a:t>07/09/2015</a:t>
             </a:fld>
             <a:endParaRPr lang="en-US"/>
           </a:p>
@@ -8688,7 +8688,7 @@
             <a:fld id="{11188646-8CEC-4AE4-B1E7-ADF9D885FD96}" type="datetimeFigureOut">
               <a:rPr lang="en-US" smtClean="0"/>
               <a:pPr/>
-              <a:t>13/06/2014</a:t>
+              <a:t>07/09/2015</a:t>
             </a:fld>
             <a:endParaRPr lang="en-US"/>
           </a:p>
@@ -8973,7 +8973,7 @@
             <a:fld id="{11188646-8CEC-4AE4-B1E7-ADF9D885FD96}" type="datetimeFigureOut">
               <a:rPr lang="en-US" smtClean="0"/>
               <a:pPr/>
-              <a:t>13/06/2014</a:t>
+              <a:t>07/09/2015</a:t>
             </a:fld>
             <a:endParaRPr lang="en-US"/>
           </a:p>
@@ -9392,7 +9392,7 @@
             <a:fld id="{11188646-8CEC-4AE4-B1E7-ADF9D885FD96}" type="datetimeFigureOut">
               <a:rPr lang="en-US" smtClean="0"/>
               <a:pPr/>
-              <a:t>13/06/2014</a:t>
+              <a:t>07/09/2015</a:t>
             </a:fld>
             <a:endParaRPr lang="en-US"/>
           </a:p>
@@ -9507,7 +9507,7 @@
             <a:fld id="{11188646-8CEC-4AE4-B1E7-ADF9D885FD96}" type="datetimeFigureOut">
               <a:rPr lang="en-US" smtClean="0"/>
               <a:pPr/>
-              <a:t>13/06/2014</a:t>
+              <a:t>07/09/2015</a:t>
             </a:fld>
             <a:endParaRPr lang="en-US"/>
           </a:p>
@@ -9599,7 +9599,7 @@
             <a:fld id="{11188646-8CEC-4AE4-B1E7-ADF9D885FD96}" type="datetimeFigureOut">
               <a:rPr lang="en-US" smtClean="0"/>
               <a:pPr/>
-              <a:t>13/06/2014</a:t>
+              <a:t>07/09/2015</a:t>
             </a:fld>
             <a:endParaRPr lang="en-US"/>
           </a:p>
@@ -9873,7 +9873,7 @@
             <a:fld id="{11188646-8CEC-4AE4-B1E7-ADF9D885FD96}" type="datetimeFigureOut">
               <a:rPr lang="en-US" smtClean="0"/>
               <a:pPr/>
-              <a:t>13/06/2014</a:t>
+              <a:t>07/09/2015</a:t>
             </a:fld>
             <a:endParaRPr lang="en-US"/>
           </a:p>
@@ -10127,7 +10127,7 @@
             <a:fld id="{11188646-8CEC-4AE4-B1E7-ADF9D885FD96}" type="datetimeFigureOut">
               <a:rPr lang="en-US" smtClean="0"/>
               <a:pPr/>
-              <a:t>13/06/2014</a:t>
+              <a:t>07/09/2015</a:t>
             </a:fld>
             <a:endParaRPr lang="en-US"/>
           </a:p>
@@ -11766,7 +11766,7 @@
             <a:fld id="{11188646-8CEC-4AE4-B1E7-ADF9D885FD96}" type="datetimeFigureOut">
               <a:rPr lang="en-US" smtClean="0"/>
               <a:pPr/>
-              <a:t>13/06/2014</a:t>
+              <a:t>07/09/2015</a:t>
             </a:fld>
             <a:endParaRPr lang="en-US"/>
           </a:p>
@@ -12285,7 +12285,7 @@
             <a:fld id="{16FF2618-C234-4528-BB60-72360CB0937F}" type="datetimeFigureOut">
               <a:rPr lang="en-US" smtClean="0"/>
               <a:pPr/>
-              <a:t>13/06/2014</a:t>
+              <a:t>07/09/2015</a:t>
             </a:fld>
             <a:endParaRPr lang="en-US"/>
           </a:p>
